--- a/PPTX/DualGeometryIG-Short.pptx
+++ b/PPTX/DualGeometryIG-Short.pptx
@@ -5,7 +5,7 @@
     <p:sldMasterId id="2147483648" r:id="rId1"/>
   </p:sldMasterIdLst>
   <p:notesMasterIdLst>
-    <p:notesMasterId r:id="rId20"/>
+    <p:notesMasterId r:id="rId21"/>
   </p:notesMasterIdLst>
   <p:sldIdLst>
     <p:sldId id="272" r:id="rId2"/>
@@ -25,7 +25,8 @@
     <p:sldId id="285" r:id="rId16"/>
     <p:sldId id="282" r:id="rId17"/>
     <p:sldId id="286" r:id="rId18"/>
-    <p:sldId id="290" r:id="rId19"/>
+    <p:sldId id="293" r:id="rId19"/>
+    <p:sldId id="290" r:id="rId20"/>
   </p:sldIdLst>
   <p:sldSz cx="12192000" cy="6858000"/>
   <p:notesSz cx="6858000" cy="9144000"/>
@@ -150,6 +151,7 @@
             <p14:sldId id="285"/>
             <p14:sldId id="282"/>
             <p14:sldId id="286"/>
+            <p14:sldId id="293"/>
             <p14:sldId id="290"/>
           </p14:sldIdLst>
         </p14:section>
@@ -244,7 +246,7 @@
           <a:p>
             <a:fld id="{473339BE-F856-4765-B148-9C669731B5A4}" type="datetimeFigureOut">
               <a:rPr lang="fr-FR" smtClean="0"/>
-              <a:t>22/06/2023</a:t>
+              <a:t>24/06/2023</a:t>
             </a:fld>
             <a:endParaRPr lang="fr-FR"/>
           </a:p>
@@ -1760,7 +1762,7 @@
           <a:p>
             <a:fld id="{23E1006D-E687-4C48-97EE-62BA972439B3}" type="datetimeFigureOut">
               <a:rPr lang="fr-FR" smtClean="0"/>
-              <a:t>22/06/2023</a:t>
+              <a:t>24/06/2023</a:t>
             </a:fld>
             <a:endParaRPr lang="fr-FR"/>
           </a:p>
@@ -1930,7 +1932,7 @@
           <a:p>
             <a:fld id="{23E1006D-E687-4C48-97EE-62BA972439B3}" type="datetimeFigureOut">
               <a:rPr lang="fr-FR" smtClean="0"/>
-              <a:t>22/06/2023</a:t>
+              <a:t>24/06/2023</a:t>
             </a:fld>
             <a:endParaRPr lang="fr-FR"/>
           </a:p>
@@ -2110,7 +2112,7 @@
           <a:p>
             <a:fld id="{23E1006D-E687-4C48-97EE-62BA972439B3}" type="datetimeFigureOut">
               <a:rPr lang="fr-FR" smtClean="0"/>
-              <a:t>22/06/2023</a:t>
+              <a:t>24/06/2023</a:t>
             </a:fld>
             <a:endParaRPr lang="fr-FR"/>
           </a:p>
@@ -2190,6 +2192,58 @@
       </p:grpSpPr>
       <p:sp>
         <p:nvSpPr>
+          <p:cNvPr id="7" name="TextBox 6"/>
+          <p:cNvSpPr txBox="1"/>
+          <p:nvPr userDrawn="1"/>
+        </p:nvSpPr>
+        <p:spPr>
+          <a:xfrm rot="5400000">
+            <a:off x="11503501" y="3059237"/>
+            <a:ext cx="1161554" cy="215444"/>
+          </a:xfrm>
+          <a:prstGeom prst="rect">
+            <a:avLst/>
+          </a:prstGeom>
+          <a:noFill/>
+        </p:spPr>
+        <p:txBody>
+          <a:bodyPr wrap="square" rtlCol="0">
+            <a:spAutoFit/>
+          </a:bodyPr>
+          <a:lstStyle/>
+          <a:p>
+            <a:r>
+              <a:rPr lang="fr-FR" sz="800" b="0" i="0" kern="1200" smtClean="0">
+                <a:solidFill>
+                  <a:srgbClr val="F7F7F7"/>
+                </a:solidFill>
+                <a:effectLst/>
+                <a:latin typeface="+mj-lt"/>
+                <a:ea typeface="+mn-ea"/>
+                <a:cs typeface="+mn-cs"/>
+              </a:rPr>
+              <a:t>© </a:t>
+            </a:r>
+            <a:r>
+              <a:rPr lang="en-US" sz="800" smtClean="0">
+                <a:solidFill>
+                  <a:srgbClr val="F7F7F7"/>
+                </a:solidFill>
+                <a:latin typeface="+mj-lt"/>
+              </a:rPr>
+              <a:t>Frank Nielsen 2023</a:t>
+            </a:r>
+            <a:endParaRPr lang="fr-FR" sz="800">
+              <a:solidFill>
+                <a:srgbClr val="F7F7F7"/>
+              </a:solidFill>
+              <a:latin typeface="+mj-lt"/>
+            </a:endParaRPr>
+          </a:p>
+        </p:txBody>
+      </p:sp>
+      <p:sp>
+        <p:nvSpPr>
           <p:cNvPr id="2" name="Title 1"/>
           <p:cNvSpPr>
             <a:spLocks noGrp="1"/>
@@ -2280,7 +2334,7 @@
           <a:p>
             <a:fld id="{23E1006D-E687-4C48-97EE-62BA972439B3}" type="datetimeFigureOut">
               <a:rPr lang="fr-FR" smtClean="0"/>
-              <a:t>22/06/2023</a:t>
+              <a:t>24/06/2023</a:t>
             </a:fld>
             <a:endParaRPr lang="fr-FR"/>
           </a:p>
@@ -2338,6 +2392,13 @@
   <p:clrMapOvr>
     <a:masterClrMapping/>
   </p:clrMapOvr>
+  <p:timing>
+    <p:tnLst>
+      <p:par>
+        <p:cTn id="1" dur="indefinite" restart="never" nodeType="tmRoot"/>
+      </p:par>
+    </p:tnLst>
+  </p:timing>
 </p:sldLayout>
 </file>
 
@@ -2526,7 +2587,7 @@
           <a:p>
             <a:fld id="{23E1006D-E687-4C48-97EE-62BA972439B3}" type="datetimeFigureOut">
               <a:rPr lang="fr-FR" smtClean="0"/>
-              <a:t>22/06/2023</a:t>
+              <a:t>24/06/2023</a:t>
             </a:fld>
             <a:endParaRPr lang="fr-FR"/>
           </a:p>
@@ -2758,7 +2819,7 @@
           <a:p>
             <a:fld id="{23E1006D-E687-4C48-97EE-62BA972439B3}" type="datetimeFigureOut">
               <a:rPr lang="fr-FR" smtClean="0"/>
-              <a:t>22/06/2023</a:t>
+              <a:t>24/06/2023</a:t>
             </a:fld>
             <a:endParaRPr lang="fr-FR"/>
           </a:p>
@@ -3125,7 +3186,7 @@
           <a:p>
             <a:fld id="{23E1006D-E687-4C48-97EE-62BA972439B3}" type="datetimeFigureOut">
               <a:rPr lang="fr-FR" smtClean="0"/>
-              <a:t>22/06/2023</a:t>
+              <a:t>24/06/2023</a:t>
             </a:fld>
             <a:endParaRPr lang="fr-FR"/>
           </a:p>
@@ -3243,7 +3304,7 @@
           <a:p>
             <a:fld id="{23E1006D-E687-4C48-97EE-62BA972439B3}" type="datetimeFigureOut">
               <a:rPr lang="fr-FR" smtClean="0"/>
-              <a:t>22/06/2023</a:t>
+              <a:t>24/06/2023</a:t>
             </a:fld>
             <a:endParaRPr lang="fr-FR"/>
           </a:p>
@@ -3338,7 +3399,7 @@
           <a:p>
             <a:fld id="{23E1006D-E687-4C48-97EE-62BA972439B3}" type="datetimeFigureOut">
               <a:rPr lang="fr-FR" smtClean="0"/>
-              <a:t>22/06/2023</a:t>
+              <a:t>24/06/2023</a:t>
             </a:fld>
             <a:endParaRPr lang="fr-FR"/>
           </a:p>
@@ -3615,7 +3676,7 @@
           <a:p>
             <a:fld id="{23E1006D-E687-4C48-97EE-62BA972439B3}" type="datetimeFigureOut">
               <a:rPr lang="fr-FR" smtClean="0"/>
-              <a:t>22/06/2023</a:t>
+              <a:t>24/06/2023</a:t>
             </a:fld>
             <a:endParaRPr lang="fr-FR"/>
           </a:p>
@@ -3868,7 +3929,7 @@
           <a:p>
             <a:fld id="{23E1006D-E687-4C48-97EE-62BA972439B3}" type="datetimeFigureOut">
               <a:rPr lang="fr-FR" smtClean="0"/>
-              <a:t>22/06/2023</a:t>
+              <a:t>24/06/2023</a:t>
             </a:fld>
             <a:endParaRPr lang="fr-FR"/>
           </a:p>
@@ -4081,7 +4142,7 @@
           <a:p>
             <a:fld id="{23E1006D-E687-4C48-97EE-62BA972439B3}" type="datetimeFigureOut">
               <a:rPr lang="fr-FR" smtClean="0"/>
-              <a:t>22/06/2023</a:t>
+              <a:t>24/06/2023</a:t>
             </a:fld>
             <a:endParaRPr lang="fr-FR"/>
           </a:p>
@@ -4534,31 +4595,15 @@
                   <a:schemeClr val="accent1"/>
                 </a:solidFill>
               </a:rPr>
-              <a:t>Geometry of </a:t>
-            </a:r>
-            <a:r>
-              <a:rPr lang="en-US" b="1">
+              <a:t>Geometry of dual </a:t>
+            </a:r>
+            <a:r>
+              <a:rPr lang="en-US" b="1" smtClean="0">
                 <a:solidFill>
                   <a:schemeClr val="accent1"/>
                 </a:solidFill>
               </a:rPr>
-              <a:t>dual </a:t>
-            </a:r>
-            <a:r>
-              <a:rPr lang="en-US" b="1" smtClean="0">
-                <a:solidFill>
-                  <a:schemeClr val="accent1"/>
-                </a:solidFill>
-              </a:rPr>
               <a:t>structures</a:t>
-            </a:r>
-            <a:r>
-              <a:rPr lang="en-US" b="1" smtClean="0">
-                <a:solidFill>
-                  <a:schemeClr val="accent1"/>
-                </a:solidFill>
-              </a:rPr>
-              <a:t/>
             </a:r>
             <a:br>
               <a:rPr lang="en-US" b="1" smtClean="0">
@@ -4758,15 +4803,7 @@
                   <a:schemeClr val="accent1"/>
                 </a:solidFill>
               </a:rPr>
-              <a:t>very </a:t>
-            </a:r>
-            <a:r>
-              <a:rPr lang="en-US" sz="2800" b="1">
-                <a:solidFill>
-                  <a:schemeClr val="accent1"/>
-                </a:solidFill>
-              </a:rPr>
-              <a:t>short </a:t>
+              <a:t>very short </a:t>
             </a:r>
             <a:r>
               <a:rPr lang="en-US" sz="2800" b="1" smtClean="0">
@@ -4790,6 +4827,13 @@
   <p:clrMapOvr>
     <a:masterClrMapping/>
   </p:clrMapOvr>
+  <p:timing>
+    <p:tnLst>
+      <p:par>
+        <p:cTn id="1" dur="indefinite" restart="never" nodeType="tmRoot"/>
+      </p:par>
+    </p:tnLst>
+  </p:timing>
 </p:sld>
 </file>
 
@@ -5078,11 +5122,7 @@
             </a:r>
             <a:r>
               <a:rPr lang="en-US" sz="2800" smtClean="0"/>
-              <a:t> along a loop of a vector preserves the </a:t>
-            </a:r>
-            <a:r>
-              <a:rPr lang="en-US" sz="2800" smtClean="0"/>
-              <a:t>orientation</a:t>
+              <a:t> along a loop of a vector preserves the orientation</a:t>
             </a:r>
           </a:p>
           <a:p>
@@ -5138,11 +5178,7 @@
           <a:p>
             <a:r>
               <a:rPr lang="en-US" sz="2800" smtClean="0"/>
-              <a:t>an angle defect related to </a:t>
-            </a:r>
-            <a:r>
-              <a:rPr lang="en-US" sz="2800" smtClean="0"/>
-              <a:t>curvature</a:t>
+              <a:t>an angle defect related to curvature</a:t>
             </a:r>
           </a:p>
           <a:p>
@@ -5423,15 +5459,7 @@
             </a:r>
             <a:r>
               <a:rPr lang="fr-FR" smtClean="0"/>
-              <a:t>) then ∇* is </a:t>
-            </a:r>
-            <a:r>
-              <a:rPr lang="fr-FR" smtClean="0"/>
-              <a:t>flat             </a:t>
-            </a:r>
-            <a:r>
-              <a:rPr lang="fr-FR" smtClean="0"/>
-              <a:t>→ </a:t>
+              <a:t>) then ∇* is flat             → </a:t>
             </a:r>
             <a:r>
               <a:rPr lang="fr-FR" b="1" smtClean="0">
@@ -5439,15 +5467,7 @@
                   <a:srgbClr val="FF0000"/>
                 </a:solidFill>
               </a:rPr>
-              <a:t>Dually </a:t>
-            </a:r>
-            <a:r>
-              <a:rPr lang="fr-FR" b="1" smtClean="0">
-                <a:solidFill>
-                  <a:srgbClr val="FF0000"/>
-                </a:solidFill>
-              </a:rPr>
-              <a:t>flat space </a:t>
+              <a:t>Dually flat space </a:t>
             </a:r>
             <a:r>
               <a:rPr lang="en-US" b="1" smtClean="0">
@@ -5734,6 +5754,13 @@
   <p:clrMapOvr>
     <a:masterClrMapping/>
   </p:clrMapOvr>
+  <p:timing>
+    <p:tnLst>
+      <p:par>
+        <p:cTn id="1" dur="indefinite" restart="never" nodeType="tmRoot"/>
+      </p:par>
+    </p:tnLst>
+  </p:timing>
 </p:sld>
 </file>
 
@@ -6279,6 +6306,13 @@
       <p:transition spd="slow" advTm="33268"/>
     </mc:Fallback>
   </mc:AlternateContent>
+  <p:timing>
+    <p:tnLst>
+      <p:par>
+        <p:cTn id="1" dur="indefinite" restart="never" nodeType="tmRoot"/>
+      </p:par>
+    </p:tnLst>
+  </p:timing>
 </p:sld>
 </file>
 
@@ -6399,11 +6433,7 @@
             </a:r>
             <a:r>
               <a:rPr lang="en-US" smtClean="0"/>
-              <a:t>lower </a:t>
-            </a:r>
-            <a:r>
-              <a:rPr lang="en-US" smtClean="0"/>
-              <a:t>semi-continuous+condition). </a:t>
+              <a:t>lower semi-continuous+condition). </a:t>
             </a:r>
             <a:r>
               <a:rPr lang="en-US" dirty="0" smtClean="0"/>
@@ -7487,6 +7517,13 @@
       <p:transition spd="slow" advTm="38783"/>
     </mc:Fallback>
   </mc:AlternateContent>
+  <p:timing>
+    <p:tnLst>
+      <p:par>
+        <p:cTn id="1" dur="indefinite" restart="never" nodeType="tmRoot"/>
+      </p:par>
+    </p:tnLst>
+  </p:timing>
 </p:sld>
 </file>
 
@@ -8060,6 +8097,13 @@
       <p:transition spd="slow" advTm="50710"/>
     </mc:Fallback>
   </mc:AlternateContent>
+  <p:timing>
+    <p:tnLst>
+      <p:par>
+        <p:cTn id="1" dur="indefinite" restart="never" nodeType="tmRoot"/>
+      </p:par>
+    </p:tnLst>
+  </p:timing>
 </p:sld>
 </file>
 
@@ -8162,6 +8206,13 @@
   <p:clrMapOvr>
     <a:masterClrMapping/>
   </p:clrMapOvr>
+  <p:timing>
+    <p:tnLst>
+      <p:par>
+        <p:cTn id="1" dur="indefinite" restart="never" nodeType="tmRoot"/>
+      </p:par>
+    </p:tnLst>
+  </p:timing>
 </p:sld>
 </file>
 
@@ -8563,6 +8614,13 @@
   <p:clrMapOvr>
     <a:masterClrMapping/>
   </p:clrMapOvr>
+  <p:timing>
+    <p:tnLst>
+      <p:par>
+        <p:cTn id="1" dur="indefinite" restart="never" nodeType="tmRoot"/>
+      </p:par>
+    </p:tnLst>
+  </p:timing>
 </p:sld>
 </file>
 
@@ -8595,6 +8653,1281 @@
         </p:nvSpPr>
         <p:spPr>
           <a:xfrm>
+            <a:off x="34019" y="22707"/>
+            <a:ext cx="12546863" cy="1325563"/>
+          </a:xfrm>
+        </p:spPr>
+        <p:txBody>
+          <a:bodyPr/>
+          <a:lstStyle/>
+          <a:p>
+            <a:r>
+              <a:rPr lang="en-US" b="1" smtClean="0">
+                <a:solidFill>
+                  <a:schemeClr val="accent1"/>
+                </a:solidFill>
+              </a:rPr>
+              <a:t>Dual geometry of information geometry:</a:t>
+            </a:r>
+            <a:br>
+              <a:rPr lang="en-US" b="1" smtClean="0">
+                <a:solidFill>
+                  <a:schemeClr val="accent1"/>
+                </a:solidFill>
+              </a:rPr>
+            </a:br>
+            <a:r>
+              <a:rPr lang="en-US" b="1" smtClean="0">
+                <a:solidFill>
+                  <a:schemeClr val="accent1"/>
+                </a:solidFill>
+              </a:rPr>
+              <a:t>  Information geometry as a tool to geometrize duality</a:t>
+            </a:r>
+            <a:endParaRPr lang="fr-FR" b="1">
+              <a:solidFill>
+                <a:schemeClr val="accent1"/>
+              </a:solidFill>
+            </a:endParaRPr>
+          </a:p>
+        </p:txBody>
+      </p:sp>
+      <p:sp>
+        <p:nvSpPr>
+          <p:cNvPr id="3" name="Content Placeholder 2"/>
+          <p:cNvSpPr>
+            <a:spLocks noGrp="1"/>
+          </p:cNvSpPr>
+          <p:nvPr>
+            <p:ph idx="1"/>
+          </p:nvPr>
+        </p:nvSpPr>
+        <p:spPr>
+          <a:xfrm>
+            <a:off x="-275897" y="2714133"/>
+            <a:ext cx="4564117" cy="4351338"/>
+          </a:xfrm>
+        </p:spPr>
+        <p:txBody>
+          <a:bodyPr>
+            <a:normAutofit/>
+          </a:bodyPr>
+          <a:lstStyle/>
+          <a:p>
+            <a:pPr marL="0" indent="0" algn="ctr">
+              <a:buNone/>
+            </a:pPr>
+            <a:r>
+              <a:rPr lang="en-US" sz="2000" smtClean="0"/>
+              <a:t>Geometrize</a:t>
+            </a:r>
+          </a:p>
+          <a:p>
+            <a:pPr marL="0" indent="0" algn="ctr">
+              <a:buNone/>
+            </a:pPr>
+            <a:r>
+              <a:rPr lang="en-US" sz="2000"/>
+              <a:t>Objects</a:t>
+            </a:r>
+            <a:r>
+              <a:rPr lang="en-US" sz="2000"/>
+              <a:t>: </a:t>
+            </a:r>
+            <a:r>
+              <a:rPr lang="en-US" sz="2000" b="1" smtClean="0">
+                <a:solidFill>
+                  <a:schemeClr val="accent2"/>
+                </a:solidFill>
+              </a:rPr>
+              <a:t>divergences D</a:t>
+            </a:r>
+          </a:p>
+          <a:p>
+            <a:pPr marL="0" indent="0" algn="ctr">
+              <a:buNone/>
+            </a:pPr>
+            <a:r>
+              <a:rPr lang="en-US" sz="2000" smtClean="0"/>
+              <a:t>duality = reverse divergence D*</a:t>
+            </a:r>
+          </a:p>
+          <a:p>
+            <a:pPr marL="0" indent="0" algn="ctr">
+              <a:buNone/>
+            </a:pPr>
+            <a:endParaRPr lang="en-US" sz="2000"/>
+          </a:p>
+          <a:p>
+            <a:pPr marL="0" indent="0" algn="ctr">
+              <a:buNone/>
+            </a:pPr>
+            <a:r>
+              <a:rPr lang="en-US" sz="2400" smtClean="0"/>
+              <a:t>(D*)*=D</a:t>
+            </a:r>
+          </a:p>
+          <a:p>
+            <a:pPr marL="0" indent="0" algn="ctr">
+              <a:buNone/>
+            </a:pPr>
+            <a:r>
+              <a:rPr lang="fr-FR" sz="2400" smtClean="0"/>
+              <a:t>(</a:t>
+            </a:r>
+            <a:r>
+              <a:rPr lang="fr-FR" sz="2400"/>
+              <a:t>∇</a:t>
+            </a:r>
+            <a:r>
+              <a:rPr lang="en-US" sz="2400" baseline="30000"/>
+              <a:t>D</a:t>
+            </a:r>
+            <a:r>
+              <a:rPr lang="en-US" sz="2400"/>
+              <a:t>,</a:t>
+            </a:r>
+            <a:r>
+              <a:rPr lang="fr-FR" sz="2400"/>
+              <a:t>∇</a:t>
+            </a:r>
+            <a:r>
+              <a:rPr lang="en-US" sz="2400" baseline="30000"/>
+              <a:t>D*</a:t>
+            </a:r>
+            <a:r>
+              <a:rPr lang="en-US" sz="2400"/>
+              <a:t>)</a:t>
+            </a:r>
+            <a:endParaRPr lang="fr-FR" sz="2400"/>
+          </a:p>
+          <a:p>
+            <a:pPr marL="0" indent="0" algn="ctr">
+              <a:buNone/>
+            </a:pPr>
+            <a:endParaRPr lang="en-US" sz="2000" smtClean="0"/>
+          </a:p>
+          <a:p>
+            <a:pPr marL="0" indent="0" algn="ctr">
+              <a:buNone/>
+            </a:pPr>
+            <a:endParaRPr lang="en-US" sz="2000" smtClean="0"/>
+          </a:p>
+        </p:txBody>
+      </p:sp>
+      <p:sp>
+        <p:nvSpPr>
+          <p:cNvPr id="4" name="Content Placeholder 2"/>
+          <p:cNvSpPr txBox="1">
+            <a:spLocks/>
+          </p:cNvSpPr>
+          <p:nvPr/>
+        </p:nvSpPr>
+        <p:spPr>
+          <a:xfrm>
+            <a:off x="3754117" y="2727108"/>
+            <a:ext cx="4564117" cy="4351338"/>
+          </a:xfrm>
+          <a:prstGeom prst="rect">
+            <a:avLst/>
+          </a:prstGeom>
+        </p:spPr>
+        <p:txBody>
+          <a:bodyPr vert="horz" lIns="91440" tIns="45720" rIns="91440" bIns="45720" rtlCol="0">
+            <a:normAutofit/>
+          </a:bodyPr>
+          <a:lstStyle>
+            <a:lvl1pPr marL="228600" indent="-228600" algn="l" defTabSz="914400" rtl="0" eaLnBrk="1" latinLnBrk="0" hangingPunct="1">
+              <a:lnSpc>
+                <a:spcPct val="90000"/>
+              </a:lnSpc>
+              <a:spcBef>
+                <a:spcPts val="1000"/>
+              </a:spcBef>
+              <a:buFont typeface="Arial" panose="020B0604020202020204" pitchFamily="34" charset="0"/>
+              <a:buChar char="•"/>
+              <a:defRPr sz="2800" kern="1200">
+                <a:solidFill>
+                  <a:schemeClr val="tx1"/>
+                </a:solidFill>
+                <a:latin typeface="+mn-lt"/>
+                <a:ea typeface="+mn-ea"/>
+                <a:cs typeface="+mn-cs"/>
+              </a:defRPr>
+            </a:lvl1pPr>
+            <a:lvl2pPr marL="685800" indent="-228600" algn="l" defTabSz="914400" rtl="0" eaLnBrk="1" latinLnBrk="0" hangingPunct="1">
+              <a:lnSpc>
+                <a:spcPct val="90000"/>
+              </a:lnSpc>
+              <a:spcBef>
+                <a:spcPts val="500"/>
+              </a:spcBef>
+              <a:buFont typeface="Arial" panose="020B0604020202020204" pitchFamily="34" charset="0"/>
+              <a:buChar char="•"/>
+              <a:defRPr sz="2400" kern="1200">
+                <a:solidFill>
+                  <a:schemeClr val="tx1"/>
+                </a:solidFill>
+                <a:latin typeface="+mn-lt"/>
+                <a:ea typeface="+mn-ea"/>
+                <a:cs typeface="+mn-cs"/>
+              </a:defRPr>
+            </a:lvl2pPr>
+            <a:lvl3pPr marL="1143000" indent="-228600" algn="l" defTabSz="914400" rtl="0" eaLnBrk="1" latinLnBrk="0" hangingPunct="1">
+              <a:lnSpc>
+                <a:spcPct val="90000"/>
+              </a:lnSpc>
+              <a:spcBef>
+                <a:spcPts val="500"/>
+              </a:spcBef>
+              <a:buFont typeface="Arial" panose="020B0604020202020204" pitchFamily="34" charset="0"/>
+              <a:buChar char="•"/>
+              <a:defRPr sz="2000" kern="1200">
+                <a:solidFill>
+                  <a:schemeClr val="tx1"/>
+                </a:solidFill>
+                <a:latin typeface="+mn-lt"/>
+                <a:ea typeface="+mn-ea"/>
+                <a:cs typeface="+mn-cs"/>
+              </a:defRPr>
+            </a:lvl3pPr>
+            <a:lvl4pPr marL="1600200" indent="-228600" algn="l" defTabSz="914400" rtl="0" eaLnBrk="1" latinLnBrk="0" hangingPunct="1">
+              <a:lnSpc>
+                <a:spcPct val="90000"/>
+              </a:lnSpc>
+              <a:spcBef>
+                <a:spcPts val="500"/>
+              </a:spcBef>
+              <a:buFont typeface="Arial" panose="020B0604020202020204" pitchFamily="34" charset="0"/>
+              <a:buChar char="•"/>
+              <a:defRPr sz="1800" kern="1200">
+                <a:solidFill>
+                  <a:schemeClr val="tx1"/>
+                </a:solidFill>
+                <a:latin typeface="+mn-lt"/>
+                <a:ea typeface="+mn-ea"/>
+                <a:cs typeface="+mn-cs"/>
+              </a:defRPr>
+            </a:lvl4pPr>
+            <a:lvl5pPr marL="2057400" indent="-228600" algn="l" defTabSz="914400" rtl="0" eaLnBrk="1" latinLnBrk="0" hangingPunct="1">
+              <a:lnSpc>
+                <a:spcPct val="90000"/>
+              </a:lnSpc>
+              <a:spcBef>
+                <a:spcPts val="500"/>
+              </a:spcBef>
+              <a:buFont typeface="Arial" panose="020B0604020202020204" pitchFamily="34" charset="0"/>
+              <a:buChar char="•"/>
+              <a:defRPr sz="1800" kern="1200">
+                <a:solidFill>
+                  <a:schemeClr val="tx1"/>
+                </a:solidFill>
+                <a:latin typeface="+mn-lt"/>
+                <a:ea typeface="+mn-ea"/>
+                <a:cs typeface="+mn-cs"/>
+              </a:defRPr>
+            </a:lvl5pPr>
+            <a:lvl6pPr marL="2514600" indent="-228600" algn="l" defTabSz="914400" rtl="0" eaLnBrk="1" latinLnBrk="0" hangingPunct="1">
+              <a:lnSpc>
+                <a:spcPct val="90000"/>
+              </a:lnSpc>
+              <a:spcBef>
+                <a:spcPts val="500"/>
+              </a:spcBef>
+              <a:buFont typeface="Arial" panose="020B0604020202020204" pitchFamily="34" charset="0"/>
+              <a:buChar char="•"/>
+              <a:defRPr sz="1800" kern="1200">
+                <a:solidFill>
+                  <a:schemeClr val="tx1"/>
+                </a:solidFill>
+                <a:latin typeface="+mn-lt"/>
+                <a:ea typeface="+mn-ea"/>
+                <a:cs typeface="+mn-cs"/>
+              </a:defRPr>
+            </a:lvl6pPr>
+            <a:lvl7pPr marL="2971800" indent="-228600" algn="l" defTabSz="914400" rtl="0" eaLnBrk="1" latinLnBrk="0" hangingPunct="1">
+              <a:lnSpc>
+                <a:spcPct val="90000"/>
+              </a:lnSpc>
+              <a:spcBef>
+                <a:spcPts val="500"/>
+              </a:spcBef>
+              <a:buFont typeface="Arial" panose="020B0604020202020204" pitchFamily="34" charset="0"/>
+              <a:buChar char="•"/>
+              <a:defRPr sz="1800" kern="1200">
+                <a:solidFill>
+                  <a:schemeClr val="tx1"/>
+                </a:solidFill>
+                <a:latin typeface="+mn-lt"/>
+                <a:ea typeface="+mn-ea"/>
+                <a:cs typeface="+mn-cs"/>
+              </a:defRPr>
+            </a:lvl7pPr>
+            <a:lvl8pPr marL="3429000" indent="-228600" algn="l" defTabSz="914400" rtl="0" eaLnBrk="1" latinLnBrk="0" hangingPunct="1">
+              <a:lnSpc>
+                <a:spcPct val="90000"/>
+              </a:lnSpc>
+              <a:spcBef>
+                <a:spcPts val="500"/>
+              </a:spcBef>
+              <a:buFont typeface="Arial" panose="020B0604020202020204" pitchFamily="34" charset="0"/>
+              <a:buChar char="•"/>
+              <a:defRPr sz="1800" kern="1200">
+                <a:solidFill>
+                  <a:schemeClr val="tx1"/>
+                </a:solidFill>
+                <a:latin typeface="+mn-lt"/>
+                <a:ea typeface="+mn-ea"/>
+                <a:cs typeface="+mn-cs"/>
+              </a:defRPr>
+            </a:lvl8pPr>
+            <a:lvl9pPr marL="3886200" indent="-228600" algn="l" defTabSz="914400" rtl="0" eaLnBrk="1" latinLnBrk="0" hangingPunct="1">
+              <a:lnSpc>
+                <a:spcPct val="90000"/>
+              </a:lnSpc>
+              <a:spcBef>
+                <a:spcPts val="500"/>
+              </a:spcBef>
+              <a:buFont typeface="Arial" panose="020B0604020202020204" pitchFamily="34" charset="0"/>
+              <a:buChar char="•"/>
+              <a:defRPr sz="1800" kern="1200">
+                <a:solidFill>
+                  <a:schemeClr val="tx1"/>
+                </a:solidFill>
+                <a:latin typeface="+mn-lt"/>
+                <a:ea typeface="+mn-ea"/>
+                <a:cs typeface="+mn-cs"/>
+              </a:defRPr>
+            </a:lvl9pPr>
+          </a:lstStyle>
+          <a:p>
+            <a:pPr marL="0" indent="0" algn="ctr">
+              <a:buFont typeface="Arial" panose="020B0604020202020204" pitchFamily="34" charset="0"/>
+              <a:buNone/>
+            </a:pPr>
+            <a:r>
+              <a:rPr lang="en-US" sz="2000" smtClean="0"/>
+              <a:t>Geometrize</a:t>
+            </a:r>
+          </a:p>
+          <a:p>
+            <a:pPr marL="0" indent="0" algn="ctr">
+              <a:buNone/>
+            </a:pPr>
+            <a:r>
+              <a:rPr lang="en-US" sz="2000"/>
+              <a:t>Objects: </a:t>
+            </a:r>
+            <a:r>
+              <a:rPr lang="en-US" sz="2000" b="1">
+                <a:solidFill>
+                  <a:schemeClr val="accent2"/>
+                </a:solidFill>
+              </a:rPr>
+              <a:t>Legendre </a:t>
+            </a:r>
+            <a:r>
+              <a:rPr lang="en-US" sz="2000" b="1">
+                <a:solidFill>
+                  <a:schemeClr val="accent2"/>
+                </a:solidFill>
+              </a:rPr>
+              <a:t>type </a:t>
+            </a:r>
+            <a:r>
+              <a:rPr lang="en-US" sz="2000" b="1" smtClean="0">
+                <a:solidFill>
+                  <a:schemeClr val="accent2"/>
+                </a:solidFill>
+              </a:rPr>
+              <a:t>functions</a:t>
+            </a:r>
+            <a:r>
+              <a:rPr lang="fr-FR" sz="2000" b="1" smtClean="0">
+                <a:solidFill>
+                  <a:schemeClr val="accent2"/>
+                </a:solidFill>
+              </a:rPr>
+              <a:t> F</a:t>
+            </a:r>
+            <a:endParaRPr lang="en-US" sz="2000" b="1" smtClean="0">
+              <a:solidFill>
+                <a:schemeClr val="accent2"/>
+              </a:solidFill>
+            </a:endParaRPr>
+          </a:p>
+          <a:p>
+            <a:pPr marL="0" indent="0" algn="ctr">
+              <a:buFont typeface="Arial" panose="020B0604020202020204" pitchFamily="34" charset="0"/>
+              <a:buNone/>
+            </a:pPr>
+            <a:r>
+              <a:rPr lang="en-US" sz="2000" smtClean="0"/>
+              <a:t>duality = convex conjugate F*</a:t>
+            </a:r>
+          </a:p>
+          <a:p>
+            <a:pPr marL="0" indent="0" algn="ctr">
+              <a:buFont typeface="Arial" panose="020B0604020202020204" pitchFamily="34" charset="0"/>
+              <a:buNone/>
+            </a:pPr>
+            <a:endParaRPr lang="en-US" sz="2000"/>
+          </a:p>
+          <a:p>
+            <a:pPr marL="0" indent="0" algn="ctr">
+              <a:buFont typeface="Arial" panose="020B0604020202020204" pitchFamily="34" charset="0"/>
+              <a:buNone/>
+            </a:pPr>
+            <a:r>
+              <a:rPr lang="en-US" sz="2400" smtClean="0"/>
+              <a:t>(F*)*=F</a:t>
+            </a:r>
+            <a:endParaRPr lang="en-US" sz="2400"/>
+          </a:p>
+          <a:p>
+            <a:pPr marL="0" indent="0" algn="ctr">
+              <a:buNone/>
+            </a:pPr>
+            <a:r>
+              <a:rPr lang="fr-FR" sz="2400"/>
+              <a:t>(</a:t>
+            </a:r>
+            <a:r>
+              <a:rPr lang="fr-FR" sz="2400" smtClean="0"/>
+              <a:t>∇</a:t>
+            </a:r>
+            <a:r>
+              <a:rPr lang="en-US" sz="2400" baseline="30000" smtClean="0"/>
+              <a:t>F</a:t>
+            </a:r>
+            <a:r>
+              <a:rPr lang="en-US" sz="2400" smtClean="0"/>
+              <a:t>,</a:t>
+            </a:r>
+            <a:r>
+              <a:rPr lang="fr-FR" sz="2400" smtClean="0"/>
+              <a:t>∇</a:t>
+            </a:r>
+            <a:r>
+              <a:rPr lang="en-US" sz="2400" baseline="30000" smtClean="0"/>
+              <a:t>F*</a:t>
+            </a:r>
+            <a:r>
+              <a:rPr lang="en-US" sz="2400" smtClean="0"/>
+              <a:t>)</a:t>
+            </a:r>
+            <a:endParaRPr lang="fr-FR" sz="2400"/>
+          </a:p>
+          <a:p>
+            <a:pPr marL="0" indent="0" algn="ctr">
+              <a:buFont typeface="Arial" panose="020B0604020202020204" pitchFamily="34" charset="0"/>
+              <a:buNone/>
+            </a:pPr>
+            <a:endParaRPr lang="en-US" sz="2000" smtClean="0"/>
+          </a:p>
+        </p:txBody>
+      </p:sp>
+      <p:sp>
+        <p:nvSpPr>
+          <p:cNvPr id="5" name="Content Placeholder 2"/>
+          <p:cNvSpPr txBox="1">
+            <a:spLocks/>
+          </p:cNvSpPr>
+          <p:nvPr/>
+        </p:nvSpPr>
+        <p:spPr>
+          <a:xfrm>
+            <a:off x="7943194" y="2714133"/>
+            <a:ext cx="4564117" cy="4351338"/>
+          </a:xfrm>
+          <a:prstGeom prst="rect">
+            <a:avLst/>
+          </a:prstGeom>
+        </p:spPr>
+        <p:txBody>
+          <a:bodyPr vert="horz" lIns="91440" tIns="45720" rIns="91440" bIns="45720" rtlCol="0">
+            <a:normAutofit/>
+          </a:bodyPr>
+          <a:lstStyle>
+            <a:lvl1pPr marL="228600" indent="-228600" algn="l" defTabSz="914400" rtl="0" eaLnBrk="1" latinLnBrk="0" hangingPunct="1">
+              <a:lnSpc>
+                <a:spcPct val="90000"/>
+              </a:lnSpc>
+              <a:spcBef>
+                <a:spcPts val="1000"/>
+              </a:spcBef>
+              <a:buFont typeface="Arial" panose="020B0604020202020204" pitchFamily="34" charset="0"/>
+              <a:buChar char="•"/>
+              <a:defRPr sz="2800" kern="1200">
+                <a:solidFill>
+                  <a:schemeClr val="tx1"/>
+                </a:solidFill>
+                <a:latin typeface="+mn-lt"/>
+                <a:ea typeface="+mn-ea"/>
+                <a:cs typeface="+mn-cs"/>
+              </a:defRPr>
+            </a:lvl1pPr>
+            <a:lvl2pPr marL="685800" indent="-228600" algn="l" defTabSz="914400" rtl="0" eaLnBrk="1" latinLnBrk="0" hangingPunct="1">
+              <a:lnSpc>
+                <a:spcPct val="90000"/>
+              </a:lnSpc>
+              <a:spcBef>
+                <a:spcPts val="500"/>
+              </a:spcBef>
+              <a:buFont typeface="Arial" panose="020B0604020202020204" pitchFamily="34" charset="0"/>
+              <a:buChar char="•"/>
+              <a:defRPr sz="2400" kern="1200">
+                <a:solidFill>
+                  <a:schemeClr val="tx1"/>
+                </a:solidFill>
+                <a:latin typeface="+mn-lt"/>
+                <a:ea typeface="+mn-ea"/>
+                <a:cs typeface="+mn-cs"/>
+              </a:defRPr>
+            </a:lvl2pPr>
+            <a:lvl3pPr marL="1143000" indent="-228600" algn="l" defTabSz="914400" rtl="0" eaLnBrk="1" latinLnBrk="0" hangingPunct="1">
+              <a:lnSpc>
+                <a:spcPct val="90000"/>
+              </a:lnSpc>
+              <a:spcBef>
+                <a:spcPts val="500"/>
+              </a:spcBef>
+              <a:buFont typeface="Arial" panose="020B0604020202020204" pitchFamily="34" charset="0"/>
+              <a:buChar char="•"/>
+              <a:defRPr sz="2000" kern="1200">
+                <a:solidFill>
+                  <a:schemeClr val="tx1"/>
+                </a:solidFill>
+                <a:latin typeface="+mn-lt"/>
+                <a:ea typeface="+mn-ea"/>
+                <a:cs typeface="+mn-cs"/>
+              </a:defRPr>
+            </a:lvl3pPr>
+            <a:lvl4pPr marL="1600200" indent="-228600" algn="l" defTabSz="914400" rtl="0" eaLnBrk="1" latinLnBrk="0" hangingPunct="1">
+              <a:lnSpc>
+                <a:spcPct val="90000"/>
+              </a:lnSpc>
+              <a:spcBef>
+                <a:spcPts val="500"/>
+              </a:spcBef>
+              <a:buFont typeface="Arial" panose="020B0604020202020204" pitchFamily="34" charset="0"/>
+              <a:buChar char="•"/>
+              <a:defRPr sz="1800" kern="1200">
+                <a:solidFill>
+                  <a:schemeClr val="tx1"/>
+                </a:solidFill>
+                <a:latin typeface="+mn-lt"/>
+                <a:ea typeface="+mn-ea"/>
+                <a:cs typeface="+mn-cs"/>
+              </a:defRPr>
+            </a:lvl4pPr>
+            <a:lvl5pPr marL="2057400" indent="-228600" algn="l" defTabSz="914400" rtl="0" eaLnBrk="1" latinLnBrk="0" hangingPunct="1">
+              <a:lnSpc>
+                <a:spcPct val="90000"/>
+              </a:lnSpc>
+              <a:spcBef>
+                <a:spcPts val="500"/>
+              </a:spcBef>
+              <a:buFont typeface="Arial" panose="020B0604020202020204" pitchFamily="34" charset="0"/>
+              <a:buChar char="•"/>
+              <a:defRPr sz="1800" kern="1200">
+                <a:solidFill>
+                  <a:schemeClr val="tx1"/>
+                </a:solidFill>
+                <a:latin typeface="+mn-lt"/>
+                <a:ea typeface="+mn-ea"/>
+                <a:cs typeface="+mn-cs"/>
+              </a:defRPr>
+            </a:lvl5pPr>
+            <a:lvl6pPr marL="2514600" indent="-228600" algn="l" defTabSz="914400" rtl="0" eaLnBrk="1" latinLnBrk="0" hangingPunct="1">
+              <a:lnSpc>
+                <a:spcPct val="90000"/>
+              </a:lnSpc>
+              <a:spcBef>
+                <a:spcPts val="500"/>
+              </a:spcBef>
+              <a:buFont typeface="Arial" panose="020B0604020202020204" pitchFamily="34" charset="0"/>
+              <a:buChar char="•"/>
+              <a:defRPr sz="1800" kern="1200">
+                <a:solidFill>
+                  <a:schemeClr val="tx1"/>
+                </a:solidFill>
+                <a:latin typeface="+mn-lt"/>
+                <a:ea typeface="+mn-ea"/>
+                <a:cs typeface="+mn-cs"/>
+              </a:defRPr>
+            </a:lvl6pPr>
+            <a:lvl7pPr marL="2971800" indent="-228600" algn="l" defTabSz="914400" rtl="0" eaLnBrk="1" latinLnBrk="0" hangingPunct="1">
+              <a:lnSpc>
+                <a:spcPct val="90000"/>
+              </a:lnSpc>
+              <a:spcBef>
+                <a:spcPts val="500"/>
+              </a:spcBef>
+              <a:buFont typeface="Arial" panose="020B0604020202020204" pitchFamily="34" charset="0"/>
+              <a:buChar char="•"/>
+              <a:defRPr sz="1800" kern="1200">
+                <a:solidFill>
+                  <a:schemeClr val="tx1"/>
+                </a:solidFill>
+                <a:latin typeface="+mn-lt"/>
+                <a:ea typeface="+mn-ea"/>
+                <a:cs typeface="+mn-cs"/>
+              </a:defRPr>
+            </a:lvl7pPr>
+            <a:lvl8pPr marL="3429000" indent="-228600" algn="l" defTabSz="914400" rtl="0" eaLnBrk="1" latinLnBrk="0" hangingPunct="1">
+              <a:lnSpc>
+                <a:spcPct val="90000"/>
+              </a:lnSpc>
+              <a:spcBef>
+                <a:spcPts val="500"/>
+              </a:spcBef>
+              <a:buFont typeface="Arial" panose="020B0604020202020204" pitchFamily="34" charset="0"/>
+              <a:buChar char="•"/>
+              <a:defRPr sz="1800" kern="1200">
+                <a:solidFill>
+                  <a:schemeClr val="tx1"/>
+                </a:solidFill>
+                <a:latin typeface="+mn-lt"/>
+                <a:ea typeface="+mn-ea"/>
+                <a:cs typeface="+mn-cs"/>
+              </a:defRPr>
+            </a:lvl8pPr>
+            <a:lvl9pPr marL="3886200" indent="-228600" algn="l" defTabSz="914400" rtl="0" eaLnBrk="1" latinLnBrk="0" hangingPunct="1">
+              <a:lnSpc>
+                <a:spcPct val="90000"/>
+              </a:lnSpc>
+              <a:spcBef>
+                <a:spcPts val="500"/>
+              </a:spcBef>
+              <a:buFont typeface="Arial" panose="020B0604020202020204" pitchFamily="34" charset="0"/>
+              <a:buChar char="•"/>
+              <a:defRPr sz="1800" kern="1200">
+                <a:solidFill>
+                  <a:schemeClr val="tx1"/>
+                </a:solidFill>
+                <a:latin typeface="+mn-lt"/>
+                <a:ea typeface="+mn-ea"/>
+                <a:cs typeface="+mn-cs"/>
+              </a:defRPr>
+            </a:lvl9pPr>
+          </a:lstStyle>
+          <a:p>
+            <a:pPr marL="0" indent="0" algn="ctr">
+              <a:buFont typeface="Arial" panose="020B0604020202020204" pitchFamily="34" charset="0"/>
+              <a:buNone/>
+            </a:pPr>
+            <a:r>
+              <a:rPr lang="en-US" sz="2000" smtClean="0"/>
+              <a:t>Geometrize</a:t>
+            </a:r>
+          </a:p>
+          <a:p>
+            <a:pPr marL="0" indent="0" algn="ctr">
+              <a:buNone/>
+            </a:pPr>
+            <a:r>
+              <a:rPr lang="en-US" sz="2000"/>
+              <a:t>Type</a:t>
+            </a:r>
+            <a:r>
+              <a:rPr lang="en-US" sz="2000"/>
+              <a:t>: </a:t>
+            </a:r>
+            <a:r>
+              <a:rPr lang="en-US" sz="2000" b="1" smtClean="0">
+                <a:solidFill>
+                  <a:schemeClr val="accent2"/>
+                </a:solidFill>
+              </a:rPr>
+              <a:t>strictly monotone functions</a:t>
+            </a:r>
+          </a:p>
+          <a:p>
+            <a:pPr marL="0" indent="0" algn="ctr">
+              <a:buFont typeface="Arial" panose="020B0604020202020204" pitchFamily="34" charset="0"/>
+              <a:buNone/>
+            </a:pPr>
+            <a:r>
+              <a:rPr lang="en-US" sz="2000" smtClean="0"/>
+              <a:t>duality f* = reciprocal f</a:t>
+            </a:r>
+            <a:r>
+              <a:rPr lang="en-US" sz="2000" baseline="30000" smtClean="0"/>
+              <a:t>-1</a:t>
+            </a:r>
+          </a:p>
+          <a:p>
+            <a:pPr marL="0" indent="0" algn="ctr">
+              <a:buFont typeface="Arial" panose="020B0604020202020204" pitchFamily="34" charset="0"/>
+              <a:buNone/>
+            </a:pPr>
+            <a:endParaRPr lang="en-US" sz="2000" baseline="30000"/>
+          </a:p>
+          <a:p>
+            <a:pPr marL="0" indent="0" algn="ctr">
+              <a:buFont typeface="Arial" panose="020B0604020202020204" pitchFamily="34" charset="0"/>
+              <a:buNone/>
+            </a:pPr>
+            <a:endParaRPr lang="en-US" sz="2000" baseline="30000" smtClean="0"/>
+          </a:p>
+          <a:p>
+            <a:pPr marL="0" indent="0" algn="ctr">
+              <a:buFont typeface="Arial" panose="020B0604020202020204" pitchFamily="34" charset="0"/>
+              <a:buNone/>
+            </a:pPr>
+            <a:r>
+              <a:rPr lang="en-US" sz="2400"/>
+              <a:t>(f</a:t>
+            </a:r>
+            <a:r>
+              <a:rPr lang="en-US" sz="2400"/>
+              <a:t>*)*=</a:t>
+            </a:r>
+            <a:r>
+              <a:rPr lang="en-US" sz="2400" smtClean="0"/>
+              <a:t>f</a:t>
+            </a:r>
+            <a:endParaRPr lang="en-US" sz="2400"/>
+          </a:p>
+          <a:p>
+            <a:pPr marL="0" indent="0" algn="ctr">
+              <a:buNone/>
+            </a:pPr>
+            <a:r>
+              <a:rPr lang="fr-FR" sz="2400"/>
+              <a:t>(∇</a:t>
+            </a:r>
+            <a:r>
+              <a:rPr lang="en-US" sz="2400" baseline="30000"/>
+              <a:t>f</a:t>
+            </a:r>
+            <a:r>
+              <a:rPr lang="en-US" sz="2400"/>
+              <a:t>,</a:t>
+            </a:r>
+            <a:r>
+              <a:rPr lang="fr-FR" sz="2400"/>
+              <a:t>∇</a:t>
+            </a:r>
+            <a:r>
+              <a:rPr lang="en-US" sz="2400" baseline="30000"/>
+              <a:t>f*</a:t>
+            </a:r>
+            <a:r>
+              <a:rPr lang="en-US" sz="2400"/>
+              <a:t>)</a:t>
+            </a:r>
+            <a:endParaRPr lang="fr-FR" sz="2400"/>
+          </a:p>
+          <a:p>
+            <a:pPr marL="0" indent="0" algn="ctr">
+              <a:buFont typeface="Arial" panose="020B0604020202020204" pitchFamily="34" charset="0"/>
+              <a:buNone/>
+            </a:pPr>
+            <a:endParaRPr lang="en-US" sz="2000" baseline="30000" smtClean="0"/>
+          </a:p>
+          <a:p>
+            <a:pPr marL="0" indent="0" algn="ctr">
+              <a:buFont typeface="Arial" panose="020B0604020202020204" pitchFamily="34" charset="0"/>
+              <a:buNone/>
+            </a:pPr>
+            <a:r>
+              <a:rPr lang="en-US" sz="2000" smtClean="0"/>
+              <a:t> </a:t>
+            </a:r>
+            <a:endParaRPr lang="fr-FR" sz="2000"/>
+          </a:p>
+        </p:txBody>
+      </p:sp>
+      <p:sp>
+        <p:nvSpPr>
+          <p:cNvPr id="6" name="TextBox 5"/>
+          <p:cNvSpPr txBox="1"/>
+          <p:nvPr/>
+        </p:nvSpPr>
+        <p:spPr>
+          <a:xfrm>
+            <a:off x="1684951" y="1381859"/>
+            <a:ext cx="9197774" cy="523220"/>
+          </a:xfrm>
+          <a:prstGeom prst="rect">
+            <a:avLst/>
+          </a:prstGeom>
+          <a:noFill/>
+        </p:spPr>
+        <p:txBody>
+          <a:bodyPr wrap="none" rtlCol="0">
+            <a:spAutoFit/>
+          </a:bodyPr>
+          <a:lstStyle/>
+          <a:p>
+            <a:r>
+              <a:rPr lang="en-US" sz="2800" smtClean="0"/>
+              <a:t>A pair of (torsion-free) affine connections (</a:t>
+            </a:r>
+            <a:r>
+              <a:rPr lang="fr-FR" sz="2800" smtClean="0"/>
+              <a:t>∇,∇*) with (∇*)*=∇</a:t>
+            </a:r>
+            <a:endParaRPr lang="fr-FR" sz="2800"/>
+          </a:p>
+        </p:txBody>
+      </p:sp>
+      <p:sp>
+        <p:nvSpPr>
+          <p:cNvPr id="8" name="TextBox 7"/>
+          <p:cNvSpPr txBox="1"/>
+          <p:nvPr/>
+        </p:nvSpPr>
+        <p:spPr>
+          <a:xfrm>
+            <a:off x="176048" y="2157324"/>
+            <a:ext cx="1424621" cy="461665"/>
+          </a:xfrm>
+          <a:prstGeom prst="rect">
+            <a:avLst/>
+          </a:prstGeom>
+          <a:noFill/>
+        </p:spPr>
+        <p:txBody>
+          <a:bodyPr wrap="none" rtlCol="0">
+            <a:spAutoFit/>
+          </a:bodyPr>
+          <a:lstStyle/>
+          <a:p>
+            <a:r>
+              <a:rPr lang="en-US" sz="2400" u="sng" smtClean="0"/>
+              <a:t>Examples</a:t>
+            </a:r>
+            <a:r>
+              <a:rPr lang="en-US" smtClean="0"/>
+              <a:t>:</a:t>
+            </a:r>
+            <a:endParaRPr lang="fr-FR"/>
+          </a:p>
+        </p:txBody>
+      </p:sp>
+      <p:sp>
+        <p:nvSpPr>
+          <p:cNvPr id="9" name="TextBox 8"/>
+          <p:cNvSpPr txBox="1"/>
+          <p:nvPr/>
+        </p:nvSpPr>
+        <p:spPr>
+          <a:xfrm>
+            <a:off x="888358" y="5879940"/>
+            <a:ext cx="3116431" cy="461665"/>
+          </a:xfrm>
+          <a:prstGeom prst="rect">
+            <a:avLst/>
+          </a:prstGeom>
+          <a:noFill/>
+        </p:spPr>
+        <p:txBody>
+          <a:bodyPr wrap="none" rtlCol="0">
+            <a:spAutoFit/>
+          </a:bodyPr>
+          <a:lstStyle/>
+          <a:p>
+            <a:r>
+              <a:rPr lang="en-US" sz="2400" b="1" smtClean="0">
+                <a:solidFill>
+                  <a:srgbClr val="00B0F0"/>
+                </a:solidFill>
+              </a:rPr>
+              <a:t>dual contrast functions</a:t>
+            </a:r>
+            <a:endParaRPr lang="fr-FR" b="1">
+              <a:solidFill>
+                <a:srgbClr val="00B0F0"/>
+              </a:solidFill>
+            </a:endParaRPr>
+          </a:p>
+        </p:txBody>
+      </p:sp>
+      <p:sp>
+        <p:nvSpPr>
+          <p:cNvPr id="11" name="TextBox 10"/>
+          <p:cNvSpPr txBox="1"/>
+          <p:nvPr/>
+        </p:nvSpPr>
+        <p:spPr>
+          <a:xfrm>
+            <a:off x="4753506" y="5879941"/>
+            <a:ext cx="3234925" cy="461665"/>
+          </a:xfrm>
+          <a:prstGeom prst="rect">
+            <a:avLst/>
+          </a:prstGeom>
+          <a:noFill/>
+        </p:spPr>
+        <p:txBody>
+          <a:bodyPr wrap="none" rtlCol="0">
+            <a:spAutoFit/>
+          </a:bodyPr>
+          <a:lstStyle/>
+          <a:p>
+            <a:r>
+              <a:rPr lang="en-US" sz="2400" b="1" smtClean="0">
+                <a:solidFill>
+                  <a:srgbClr val="00B0F0"/>
+                </a:solidFill>
+              </a:rPr>
+              <a:t>dual potential functions</a:t>
+            </a:r>
+            <a:endParaRPr lang="fr-FR" b="1">
+              <a:solidFill>
+                <a:srgbClr val="00B0F0"/>
+              </a:solidFill>
+            </a:endParaRPr>
+          </a:p>
+        </p:txBody>
+      </p:sp>
+      <p:sp>
+        <p:nvSpPr>
+          <p:cNvPr id="12" name="TextBox 11"/>
+          <p:cNvSpPr txBox="1"/>
+          <p:nvPr/>
+        </p:nvSpPr>
+        <p:spPr>
+          <a:xfrm>
+            <a:off x="8950906" y="5879941"/>
+            <a:ext cx="3022302" cy="830997"/>
+          </a:xfrm>
+          <a:prstGeom prst="rect">
+            <a:avLst/>
+          </a:prstGeom>
+          <a:noFill/>
+        </p:spPr>
+        <p:txBody>
+          <a:bodyPr wrap="none" rtlCol="0">
+            <a:spAutoFit/>
+          </a:bodyPr>
+          <a:lstStyle/>
+          <a:p>
+            <a:pPr algn="ctr"/>
+            <a:r>
+              <a:rPr lang="en-US" sz="2400" b="1" smtClean="0">
+                <a:solidFill>
+                  <a:srgbClr val="00B0F0"/>
+                </a:solidFill>
+              </a:rPr>
+              <a:t>dual f-representations</a:t>
+            </a:r>
+          </a:p>
+          <a:p>
+            <a:pPr algn="ctr"/>
+            <a:r>
+              <a:rPr lang="en-US" sz="2400" b="1" smtClean="0">
+                <a:solidFill>
+                  <a:srgbClr val="00B0F0"/>
+                </a:solidFill>
+              </a:rPr>
+              <a:t>(</a:t>
+            </a:r>
+            <a:r>
+              <a:rPr lang="fr-FR">
+                <a:solidFill>
+                  <a:srgbClr val="00B0F0"/>
+                </a:solidFill>
+              </a:rPr>
+              <a:t>±</a:t>
+            </a:r>
+            <a:r>
+              <a:rPr lang="el-GR" sz="2400" b="1" smtClean="0">
+                <a:solidFill>
+                  <a:srgbClr val="00B0F0"/>
+                </a:solidFill>
+              </a:rPr>
+              <a:t>α</a:t>
+            </a:r>
+            <a:r>
+              <a:rPr lang="en-US" sz="2400" b="1" smtClean="0">
+                <a:solidFill>
+                  <a:srgbClr val="00B0F0"/>
+                </a:solidFill>
+              </a:rPr>
+              <a:t>-representations)</a:t>
+            </a:r>
+            <a:endParaRPr lang="fr-FR" b="1">
+              <a:solidFill>
+                <a:srgbClr val="00B0F0"/>
+              </a:solidFill>
+            </a:endParaRPr>
+          </a:p>
+        </p:txBody>
+      </p:sp>
+      <p:sp>
+        <p:nvSpPr>
+          <p:cNvPr id="13" name="TextBox 12"/>
+          <p:cNvSpPr txBox="1"/>
+          <p:nvPr/>
+        </p:nvSpPr>
+        <p:spPr>
+          <a:xfrm>
+            <a:off x="86571" y="5276968"/>
+            <a:ext cx="3169266" cy="461665"/>
+          </a:xfrm>
+          <a:prstGeom prst="rect">
+            <a:avLst/>
+          </a:prstGeom>
+          <a:noFill/>
+        </p:spPr>
+        <p:txBody>
+          <a:bodyPr wrap="none" rtlCol="0">
+            <a:spAutoFit/>
+          </a:bodyPr>
+          <a:lstStyle/>
+          <a:p>
+            <a:r>
+              <a:rPr lang="en-US" sz="2400" u="sng" smtClean="0"/>
+              <a:t>Geometric terminology</a:t>
+            </a:r>
+            <a:r>
+              <a:rPr lang="en-US" sz="2400" smtClean="0"/>
+              <a:t>:</a:t>
+            </a:r>
+            <a:endParaRPr lang="fr-FR"/>
+          </a:p>
+        </p:txBody>
+      </p:sp>
+      <p:cxnSp>
+        <p:nvCxnSpPr>
+          <p:cNvPr id="15" name="Straight Connector 14"/>
+          <p:cNvCxnSpPr/>
+          <p:nvPr/>
+        </p:nvCxnSpPr>
+        <p:spPr>
+          <a:xfrm>
+            <a:off x="3899338" y="2388156"/>
+            <a:ext cx="10510" cy="3119644"/>
+          </a:xfrm>
+          <a:prstGeom prst="line">
+            <a:avLst/>
+          </a:prstGeom>
+          <a:ln w="38100">
+            <a:solidFill>
+              <a:schemeClr val="tx1"/>
+            </a:solidFill>
+          </a:ln>
+        </p:spPr>
+        <p:style>
+          <a:lnRef idx="1">
+            <a:schemeClr val="accent1"/>
+          </a:lnRef>
+          <a:fillRef idx="0">
+            <a:schemeClr val="accent1"/>
+          </a:fillRef>
+          <a:effectRef idx="0">
+            <a:schemeClr val="accent1"/>
+          </a:effectRef>
+          <a:fontRef idx="minor">
+            <a:schemeClr val="tx1"/>
+          </a:fontRef>
+        </p:style>
+      </p:cxnSp>
+      <p:cxnSp>
+        <p:nvCxnSpPr>
+          <p:cNvPr id="16" name="Straight Connector 15"/>
+          <p:cNvCxnSpPr/>
+          <p:nvPr/>
+        </p:nvCxnSpPr>
+        <p:spPr>
+          <a:xfrm>
+            <a:off x="8307724" y="2388156"/>
+            <a:ext cx="10510" cy="3119644"/>
+          </a:xfrm>
+          <a:prstGeom prst="line">
+            <a:avLst/>
+          </a:prstGeom>
+          <a:ln w="38100">
+            <a:solidFill>
+              <a:schemeClr val="tx1"/>
+            </a:solidFill>
+          </a:ln>
+        </p:spPr>
+        <p:style>
+          <a:lnRef idx="1">
+            <a:schemeClr val="accent1"/>
+          </a:lnRef>
+          <a:fillRef idx="0">
+            <a:schemeClr val="accent1"/>
+          </a:fillRef>
+          <a:effectRef idx="0">
+            <a:schemeClr val="accent1"/>
+          </a:effectRef>
+          <a:fontRef idx="minor">
+            <a:schemeClr val="tx1"/>
+          </a:fontRef>
+        </p:style>
+      </p:cxnSp>
+      <p:cxnSp>
+        <p:nvCxnSpPr>
+          <p:cNvPr id="20" name="Straight Arrow Connector 19"/>
+          <p:cNvCxnSpPr>
+            <a:stCxn id="6" idx="2"/>
+            <a:endCxn id="3" idx="0"/>
+          </p:cNvCxnSpPr>
+          <p:nvPr/>
+        </p:nvCxnSpPr>
+        <p:spPr>
+          <a:xfrm flipH="1">
+            <a:off x="2006162" y="1905079"/>
+            <a:ext cx="4277676" cy="809054"/>
+          </a:xfrm>
+          <a:prstGeom prst="straightConnector1">
+            <a:avLst/>
+          </a:prstGeom>
+          <a:ln>
+            <a:solidFill>
+              <a:schemeClr val="tx1"/>
+            </a:solidFill>
+            <a:tailEnd type="triangle"/>
+          </a:ln>
+        </p:spPr>
+        <p:style>
+          <a:lnRef idx="1">
+            <a:schemeClr val="accent1"/>
+          </a:lnRef>
+          <a:fillRef idx="0">
+            <a:schemeClr val="accent1"/>
+          </a:fillRef>
+          <a:effectRef idx="0">
+            <a:schemeClr val="accent1"/>
+          </a:effectRef>
+          <a:fontRef idx="minor">
+            <a:schemeClr val="tx1"/>
+          </a:fontRef>
+        </p:style>
+      </p:cxnSp>
+      <p:cxnSp>
+        <p:nvCxnSpPr>
+          <p:cNvPr id="22" name="Straight Arrow Connector 21"/>
+          <p:cNvCxnSpPr>
+            <a:stCxn id="6" idx="2"/>
+            <a:endCxn id="4" idx="0"/>
+          </p:cNvCxnSpPr>
+          <p:nvPr/>
+        </p:nvCxnSpPr>
+        <p:spPr>
+          <a:xfrm flipH="1">
+            <a:off x="6036176" y="1905079"/>
+            <a:ext cx="247662" cy="822029"/>
+          </a:xfrm>
+          <a:prstGeom prst="straightConnector1">
+            <a:avLst/>
+          </a:prstGeom>
+          <a:ln>
+            <a:solidFill>
+              <a:schemeClr val="tx1"/>
+            </a:solidFill>
+            <a:tailEnd type="triangle"/>
+          </a:ln>
+        </p:spPr>
+        <p:style>
+          <a:lnRef idx="1">
+            <a:schemeClr val="accent1"/>
+          </a:lnRef>
+          <a:fillRef idx="0">
+            <a:schemeClr val="accent1"/>
+          </a:fillRef>
+          <a:effectRef idx="0">
+            <a:schemeClr val="accent1"/>
+          </a:effectRef>
+          <a:fontRef idx="minor">
+            <a:schemeClr val="tx1"/>
+          </a:fontRef>
+        </p:style>
+      </p:cxnSp>
+      <p:cxnSp>
+        <p:nvCxnSpPr>
+          <p:cNvPr id="24" name="Straight Arrow Connector 23"/>
+          <p:cNvCxnSpPr>
+            <a:stCxn id="6" idx="2"/>
+            <a:endCxn id="5" idx="0"/>
+          </p:cNvCxnSpPr>
+          <p:nvPr/>
+        </p:nvCxnSpPr>
+        <p:spPr>
+          <a:xfrm>
+            <a:off x="6283838" y="1905079"/>
+            <a:ext cx="3941415" cy="809054"/>
+          </a:xfrm>
+          <a:prstGeom prst="straightConnector1">
+            <a:avLst/>
+          </a:prstGeom>
+          <a:ln>
+            <a:solidFill>
+              <a:schemeClr val="tx1"/>
+            </a:solidFill>
+            <a:tailEnd type="triangle"/>
+          </a:ln>
+        </p:spPr>
+        <p:style>
+          <a:lnRef idx="1">
+            <a:schemeClr val="accent1"/>
+          </a:lnRef>
+          <a:fillRef idx="0">
+            <a:schemeClr val="accent1"/>
+          </a:fillRef>
+          <a:effectRef idx="0">
+            <a:schemeClr val="accent1"/>
+          </a:effectRef>
+          <a:fontRef idx="minor">
+            <a:schemeClr val="tx1"/>
+          </a:fontRef>
+        </p:style>
+      </p:cxnSp>
+    </p:spTree>
+    <p:extLst>
+      <p:ext uri="{BB962C8B-B14F-4D97-AF65-F5344CB8AC3E}">
+        <p14:creationId xmlns:p14="http://schemas.microsoft.com/office/powerpoint/2010/main" val="3003394289"/>
+      </p:ext>
+    </p:extLst>
+  </p:cSld>
+  <p:clrMapOvr>
+    <a:masterClrMapping/>
+  </p:clrMapOvr>
+  <p:timing>
+    <p:tnLst>
+      <p:par>
+        <p:cTn id="1" dur="indefinite" restart="never" nodeType="tmRoot"/>
+      </p:par>
+    </p:tnLst>
+  </p:timing>
+</p:sld>
+</file>
+
+<file path=ppt/slides/slide19.xml><?xml version="1.0" encoding="utf-8"?>
+<p:sld xmlns:a="http://schemas.openxmlformats.org/drawingml/2006/main" xmlns:r="http://schemas.openxmlformats.org/officeDocument/2006/relationships" xmlns:p="http://schemas.openxmlformats.org/presentationml/2006/main">
+  <p:cSld>
+    <p:spTree>
+      <p:nvGrpSpPr>
+        <p:cNvPr id="1" name=""/>
+        <p:cNvGrpSpPr/>
+        <p:nvPr/>
+      </p:nvGrpSpPr>
+      <p:grpSpPr>
+        <a:xfrm>
+          <a:off x="0" y="0"/>
+          <a:ext cx="0" cy="0"/>
+          <a:chOff x="0" y="0"/>
+          <a:chExt cx="0" cy="0"/>
+        </a:xfrm>
+      </p:grpSpPr>
+      <p:sp>
+        <p:nvSpPr>
+          <p:cNvPr id="2" name="Title 1"/>
+          <p:cNvSpPr>
+            <a:spLocks noGrp="1"/>
+          </p:cNvSpPr>
+          <p:nvPr>
+            <p:ph type="title"/>
+          </p:nvPr>
+        </p:nvSpPr>
+        <p:spPr>
+          <a:xfrm>
             <a:off x="256309" y="-142875"/>
             <a:ext cx="10515600" cy="1325563"/>
           </a:xfrm>
@@ -8791,6 +10124,13 @@
   <p:clrMapOvr>
     <a:masterClrMapping/>
   </p:clrMapOvr>
+  <p:timing>
+    <p:tnLst>
+      <p:par>
+        <p:cTn id="1" dur="indefinite" restart="never" nodeType="tmRoot"/>
+      </p:par>
+    </p:tnLst>
+  </p:timing>
 </p:sld>
 </file>
 
@@ -8978,11 +10318,7 @@
             </a:r>
             <a:r>
               <a:rPr lang="en-US" smtClean="0"/>
-              <a:t>in IG: dual connections, reference duality (dual f-divergences), Legendre duality, duality of representations/monotone embeddings, </a:t>
-            </a:r>
-            <a:r>
-              <a:rPr lang="en-US" smtClean="0"/>
-              <a:t>etc</a:t>
+              <a:t>in IG: dual connections, reference duality (dual f-divergences), Legendre duality, duality of representations/monotone embeddings, etc</a:t>
             </a:r>
           </a:p>
           <a:p>
@@ -8998,7 +10334,6 @@
               <a:rPr lang="en-US" smtClean="0"/>
               <a:t> which can be used in many different contexts</a:t>
             </a:r>
-            <a:endParaRPr lang="en-US" smtClean="0"/>
           </a:p>
           <a:p>
             <a:endParaRPr lang="en-US" smtClean="0"/>
@@ -9042,6 +10377,13 @@
   <p:clrMapOvr>
     <a:masterClrMapping/>
   </p:clrMapOvr>
+  <p:timing>
+    <p:tnLst>
+      <p:par>
+        <p:cTn id="1" dur="indefinite" restart="never" nodeType="tmRoot"/>
+      </p:par>
+    </p:tnLst>
+  </p:timing>
 </p:sld>
 </file>
 
@@ -12711,15 +14053,7 @@
                   <a:srgbClr val="FF0000"/>
                 </a:solidFill>
               </a:rPr>
-              <a:t>New in </a:t>
-            </a:r>
-            <a:r>
-              <a:rPr lang="en-US" sz="2400" b="1" smtClean="0">
-                <a:solidFill>
-                  <a:srgbClr val="FF0000"/>
-                </a:solidFill>
-              </a:rPr>
-              <a:t>2023:  closed-form geodesics with boundary conditions for  </a:t>
+              <a:t>New in 2023:  closed-form geodesics with boundary conditions for  </a:t>
             </a:r>
             <a:r>
               <a:rPr lang="en-US" sz="2400" b="1">
@@ -13431,11 +14765,7 @@
           <a:p>
             <a:r>
               <a:rPr lang="en-US" sz="2400" smtClean="0"/>
-              <a:t>Cubic </a:t>
-            </a:r>
-            <a:r>
-              <a:rPr lang="en-US" sz="2400" smtClean="0"/>
-              <a:t>tensor C or T:</a:t>
+              <a:t>Cubic tensor C or T:</a:t>
             </a:r>
             <a:endParaRPr lang="fr-FR" sz="2400"/>
           </a:p>
@@ -13767,6 +15097,13 @@
   <p:clrMapOvr>
     <a:masterClrMapping/>
   </p:clrMapOvr>
+  <p:timing>
+    <p:tnLst>
+      <p:par>
+        <p:cTn id="1" dur="indefinite" restart="never" nodeType="tmRoot"/>
+      </p:par>
+    </p:tnLst>
+  </p:timing>
 </p:sld>
 </file>
 
@@ -14296,6 +15633,13 @@
   <p:clrMapOvr>
     <a:masterClrMapping/>
   </p:clrMapOvr>
+  <p:timing>
+    <p:tnLst>
+      <p:par>
+        <p:cTn id="1" dur="indefinite" restart="never" nodeType="tmRoot"/>
+      </p:par>
+    </p:tnLst>
+  </p:timing>
 </p:sld>
 </file>
 
@@ -14924,15 +16268,7 @@
             </a:r>
             <a:r>
               <a:rPr lang="en-US" sz="2000" smtClean="0"/>
-              <a:t>            </a:t>
-            </a:r>
-            <a:r>
-              <a:rPr lang="en-US" sz="2000" smtClean="0"/>
-              <a:t>metric </a:t>
-            </a:r>
-            <a:r>
-              <a:rPr lang="en-US" sz="2000" smtClean="0"/>
-              <a:t>tensor  g</a:t>
+              <a:t>            metric tensor  g</a:t>
             </a:r>
             <a:r>
               <a:rPr lang="en-US" sz="2000" baseline="30000" smtClean="0"/>
@@ -15074,6 +16410,13 @@
   <p:clrMapOvr>
     <a:masterClrMapping/>
   </p:clrMapOvr>
+  <p:timing>
+    <p:tnLst>
+      <p:par>
+        <p:cTn id="1" dur="indefinite" restart="never" nodeType="tmRoot"/>
+      </p:par>
+    </p:tnLst>
+  </p:timing>
 </p:sld>
 </file>
 
